--- a/汽车道闸控制系统.pptx
+++ b/汽车道闸控制系统.pptx
@@ -12968,7 +12968,7 @@
         </p:blipFill>
         <p:spPr>
           <a:xfrm>
-            <a:off x="-38" y="-296863"/>
+            <a:off x="0" y="-296863"/>
             <a:ext cx="12192075" cy="6858000"/>
           </a:xfrm>
           <a:prstGeom prst="rect">
